--- a/파이썬 기말 ppt.pptx
+++ b/파이썬 기말 ppt.pptx
@@ -2,7 +2,7 @@
 <file path=ppt/presentation.xml><?xml version="1.0" encoding="utf-8"?>
 <p:presentation xmlns:a="http://schemas.openxmlformats.org/drawingml/2006/main" xmlns:r="http://schemas.openxmlformats.org/officeDocument/2006/relationships" xmlns:p="http://schemas.openxmlformats.org/presentationml/2006/main" xmlns:p14="http://schemas.microsoft.com/office/powerpoint/2010/main" saveSubsetFonts="1">
   <p:sldMasterIdLst>
-    <p:sldMasterId id="2147483776" r:id="rId13"/>
+    <p:sldMasterId id="2147483778" r:id="rId13"/>
   </p:sldMasterIdLst>
   <p:notesMasterIdLst>
     <p:notesMasterId r:id="rId17"/>
@@ -12,13 +12,12 @@
   </p:handoutMasterIdLst>
   <p:sldIdLst>
     <p:sldId id="256" r:id="rId19"/>
-    <p:sldId id="272" r:id="rId20"/>
-    <p:sldId id="258" r:id="rId21"/>
-    <p:sldId id="261" r:id="rId22"/>
-    <p:sldId id="259" r:id="rId23"/>
-    <p:sldId id="268" r:id="rId24"/>
-    <p:sldId id="260" r:id="rId25"/>
-    <p:sldId id="262" r:id="rId26"/>
+    <p:sldId id="272" r:id="rId21"/>
+    <p:sldId id="258" r:id="rId22"/>
+    <p:sldId id="261" r:id="rId23"/>
+    <p:sldId id="259" r:id="rId24"/>
+    <p:sldId id="268" r:id="rId25"/>
+    <p:sldId id="260" r:id="rId26"/>
     <p:sldId id="263" r:id="rId27"/>
     <p:sldId id="264" r:id="rId28"/>
     <p:sldId id="265" r:id="rId29"/>
@@ -4144,28 +4143,28 @@
                 <a:latin typeface="맑은 고딕" charset="0"/>
                 <a:ea typeface="맑은 고딕" charset="0"/>
               </a:rPr>
-              <a:t>플레이</a:t>
+              <a:t>소</a:t>
             </a:r>
             <a:r>
               <a:rPr lang="ko-KR" sz="2400">
                 <a:latin typeface="맑은 고딕" charset="0"/>
                 <a:ea typeface="맑은 고딕" charset="0"/>
               </a:rPr>
-              <a:t>어 </a:t>
+              <a:t>유 </a:t>
             </a:r>
             <a:r>
               <a:rPr lang="ko-KR" sz="2400">
                 <a:latin typeface="맑은 고딕" charset="0"/>
                 <a:ea typeface="맑은 고딕" charset="0"/>
               </a:rPr>
-              <a:t>정</a:t>
+              <a:t>아이</a:t>
             </a:r>
             <a:r>
               <a:rPr lang="ko-KR" sz="2400">
                 <a:latin typeface="맑은 고딕" charset="0"/>
                 <a:ea typeface="맑은 고딕" charset="0"/>
               </a:rPr>
-              <a:t>보</a:t>
+              <a:t>템</a:t>
             </a:r>
             <a:endParaRPr lang="ko-KR" altLang="en-US" sz="2400">
               <a:latin typeface="맑은 고딕" charset="0"/>
@@ -4176,7 +4175,7 @@
       </p:sp>
       <p:pic>
         <p:nvPicPr>
-          <p:cNvPr id="5" name="그림 8" descr="C:/Users/jayaj/AppData/Roaming/PolarisOffice/ETemp/12852_8584704/fImage807201748467.png"/>
+          <p:cNvPr id="6" name="그림 12" descr="C:/Users/jayaj/AppData/Roaming/PolarisOffice/ETemp/12852_8584704/fImage619961786334.png"/>
           <p:cNvPicPr>
             <a:picLocks noChangeAspect="1"/>
           </p:cNvPicPr>
@@ -4196,8 +4195,8 @@
         </p:blipFill>
         <p:spPr>
           <a:xfrm rot="0">
-            <a:off x="836930" y="2042795"/>
-            <a:ext cx="8611870" cy="3950335"/>
+            <a:off x="836930" y="2024380"/>
+            <a:ext cx="8753475" cy="3949700"/>
           </a:xfrm>
           <a:prstGeom prst="rect"/>
           <a:noFill/>
@@ -4337,28 +4336,28 @@
                 <a:latin typeface="맑은 고딕" charset="0"/>
                 <a:ea typeface="맑은 고딕" charset="0"/>
               </a:rPr>
-              <a:t>소</a:t>
+              <a:t>플레</a:t>
             </a:r>
             <a:r>
               <a:rPr lang="ko-KR" sz="2400">
                 <a:latin typeface="맑은 고딕" charset="0"/>
                 <a:ea typeface="맑은 고딕" charset="0"/>
               </a:rPr>
-              <a:t>유 </a:t>
+              <a:t>이 </a:t>
             </a:r>
             <a:r>
               <a:rPr lang="ko-KR" sz="2400">
                 <a:latin typeface="맑은 고딕" charset="0"/>
                 <a:ea typeface="맑은 고딕" charset="0"/>
               </a:rPr>
-              <a:t>아이</a:t>
+              <a:t>방</a:t>
             </a:r>
             <a:r>
               <a:rPr lang="ko-KR" sz="2400">
                 <a:latin typeface="맑은 고딕" charset="0"/>
                 <a:ea typeface="맑은 고딕" charset="0"/>
               </a:rPr>
-              <a:t>템</a:t>
+              <a:t>법</a:t>
             </a:r>
             <a:endParaRPr lang="ko-KR" altLang="en-US" sz="2400">
               <a:latin typeface="맑은 고딕" charset="0"/>
@@ -4369,7 +4368,7 @@
       </p:sp>
       <p:pic>
         <p:nvPicPr>
-          <p:cNvPr id="6" name="그림 12" descr="C:/Users/jayaj/AppData/Roaming/PolarisOffice/ETemp/12852_8584704/fImage619961786334.png"/>
+          <p:cNvPr id="5" name="Picture " descr="C:/Users/jayaj/AppData/Roaming/PolarisOffice/ETemp/12852_8584704/fImage1260781816500.png"/>
           <p:cNvPicPr>
             <a:picLocks noChangeAspect="1"/>
           </p:cNvPicPr>
@@ -4383,14 +4382,15 @@
               </a:ext>
             </a:extLst>
           </a:blip>
+          <a:srcRect/>
           <a:stretch>
             <a:fillRect/>
           </a:stretch>
         </p:blipFill>
         <p:spPr>
           <a:xfrm rot="0">
-            <a:off x="836930" y="2024380"/>
-            <a:ext cx="8753475" cy="3949700"/>
+            <a:off x="836295" y="2042795"/>
+            <a:ext cx="7394575" cy="3950335"/>
           </a:xfrm>
           <a:prstGeom prst="rect"/>
           <a:noFill/>
@@ -4530,200 +4530,6 @@
                 <a:latin typeface="맑은 고딕" charset="0"/>
                 <a:ea typeface="맑은 고딕" charset="0"/>
               </a:rPr>
-              <a:t>플레</a:t>
-            </a:r>
-            <a:r>
-              <a:rPr lang="ko-KR" sz="2400">
-                <a:latin typeface="맑은 고딕" charset="0"/>
-                <a:ea typeface="맑은 고딕" charset="0"/>
-              </a:rPr>
-              <a:t>이 </a:t>
-            </a:r>
-            <a:r>
-              <a:rPr lang="ko-KR" sz="2400">
-                <a:latin typeface="맑은 고딕" charset="0"/>
-                <a:ea typeface="맑은 고딕" charset="0"/>
-              </a:rPr>
-              <a:t>방</a:t>
-            </a:r>
-            <a:r>
-              <a:rPr lang="ko-KR" sz="2400">
-                <a:latin typeface="맑은 고딕" charset="0"/>
-                <a:ea typeface="맑은 고딕" charset="0"/>
-              </a:rPr>
-              <a:t>법</a:t>
-            </a:r>
-            <a:endParaRPr lang="ko-KR" altLang="en-US" sz="2400">
-              <a:latin typeface="맑은 고딕" charset="0"/>
-              <a:ea typeface="맑은 고딕" charset="0"/>
-            </a:endParaRPr>
-          </a:p>
-        </p:txBody>
-      </p:sp>
-      <p:pic>
-        <p:nvPicPr>
-          <p:cNvPr id="5" name="Picture " descr="C:/Users/jayaj/AppData/Roaming/PolarisOffice/ETemp/12852_8584704/fImage1260781816500.png"/>
-          <p:cNvPicPr>
-            <a:picLocks noChangeAspect="1"/>
-          </p:cNvPicPr>
-          <p:nvPr/>
-        </p:nvPicPr>
-        <p:blipFill rotWithShape="1">
-          <a:blip r:embed="rId2" cstate="print">
-            <a:extLst>
-              <a:ext uri="{28A0092B-C50C-407E-A947-70E740481C1C}">
-                <a14:useLocalDpi xmlns:a14="http://schemas.microsoft.com/office/drawing/2010/main" val="0"/>
-              </a:ext>
-            </a:extLst>
-          </a:blip>
-          <a:srcRect/>
-          <a:stretch>
-            <a:fillRect/>
-          </a:stretch>
-        </p:blipFill>
-        <p:spPr>
-          <a:xfrm rot="0">
-            <a:off x="836295" y="2042795"/>
-            <a:ext cx="7394575" cy="3950335"/>
-          </a:xfrm>
-          <a:prstGeom prst="rect"/>
-          <a:noFill/>
-          <a:ln w="19050" cap="flat" cmpd="sng">
-            <a:solidFill>
-              <a:schemeClr val="bg2">
-                <a:alpha val="100000"/>
-              </a:schemeClr>
-            </a:solidFill>
-            <a:prstDash val="solid"/>
-            <a:round/>
-          </a:ln>
-        </p:spPr>
-      </p:pic>
-    </p:spTree>
-  </p:cSld>
-  <p:clrMapOvr>
-    <a:masterClrMapping/>
-  </p:clrMapOvr>
-  <mc:AlternateContent xmlns:mc="http://schemas.openxmlformats.org/markup-compatibility/2006">
-    <mc:Choice xmlns:p14="http://schemas.microsoft.com/office/powerpoint/2010/main" Requires="p14">
-      <p:transition spd="slow" p14:dur="2000"/>
-    </mc:Choice>
-    <mc:Fallback>
-      <p:transition spd="slow"/>
-    </mc:Fallback>
-  </mc:AlternateContent>
-</p:sld>
-</file>
-
-<file path=ppt/slides/slide13.xml><?xml version="1.0" encoding="utf-8"?>
-<p:sld xmlns:a="http://schemas.openxmlformats.org/drawingml/2006/main" xmlns:r="http://schemas.openxmlformats.org/officeDocument/2006/relationships" xmlns:p="http://schemas.openxmlformats.org/presentationml/2006/main">
-  <p:cSld>
-    <p:spTree>
-      <p:nvGrpSpPr>
-        <p:cNvPr id="1" name=""/>
-        <p:cNvGrpSpPr/>
-        <p:nvPr/>
-      </p:nvGrpSpPr>
-      <p:grpSpPr>
-        <a:xfrm>
-          <a:off x="0" y="0"/>
-          <a:ext cx="0" cy="0"/>
-          <a:chOff x="0" y="0"/>
-          <a:chExt cx="0" cy="0"/>
-        </a:xfrm>
-      </p:grpSpPr>
-      <p:sp>
-        <p:nvSpPr>
-          <p:cNvPr id="2" name="제목 1"/>
-          <p:cNvSpPr txBox="1">
-            <a:spLocks noGrp="1"/>
-          </p:cNvSpPr>
-          <p:nvPr>
-            <p:ph type="title"/>
-          </p:nvPr>
-        </p:nvSpPr>
-        <p:spPr>
-          <a:xfrm rot="0">
-            <a:off x="838200" y="365125"/>
-            <a:ext cx="10516235" cy="1326515"/>
-          </a:xfrm>
-          <a:prstGeom prst="rect"/>
-        </p:spPr>
-        <p:txBody>
-          <a:bodyPr wrap="square" lIns="91440" tIns="45720" rIns="91440" bIns="45720" numCol="1" vert="horz" anchor="ctr">
-            <a:normAutofit fontScale="100000" lnSpcReduction="0"/>
-          </a:bodyPr>
-          <a:lstStyle/>
-          <a:p>
-            <a:pPr marL="0" indent="0" rtl="0"/>
-            <a:r>
-              <a:rPr lang="ko-KR" altLang="en-US" sz="4400">
-                <a:latin typeface="맑은 고딕" charset="0"/>
-                <a:ea typeface="맑은 고딕" charset="0"/>
-                <a:cs typeface="+mj-cs"/>
-              </a:rPr>
-              <a:t>프로그램 </a:t>
-            </a:r>
-            <a:r>
-              <a:rPr lang="ko-KR" altLang="en-US" sz="4400">
-                <a:latin typeface="맑은 고딕" charset="0"/>
-                <a:ea typeface="맑은 고딕" charset="0"/>
-                <a:cs typeface="+mj-cs"/>
-              </a:rPr>
-              <a:t>화</a:t>
-            </a:r>
-            <a:r>
-              <a:rPr lang="ko-KR" altLang="en-US" sz="4400">
-                <a:latin typeface="맑은 고딕" charset="0"/>
-                <a:ea typeface="맑은 고딕" charset="0"/>
-                <a:cs typeface="+mj-cs"/>
-              </a:rPr>
-              <a:t>면</a:t>
-            </a:r>
-            <a:endParaRPr lang="ko-KR" altLang="en-US" sz="4400">
-              <a:latin typeface="맑은 고딕" charset="0"/>
-              <a:ea typeface="맑은 고딕" charset="0"/>
-              <a:cs typeface="+mj-cs"/>
-            </a:endParaRPr>
-          </a:p>
-        </p:txBody>
-      </p:sp>
-      <p:sp>
-        <p:nvSpPr>
-          <p:cNvPr id="4" name="Rect 0"/>
-          <p:cNvSpPr txBox="1">
-            <a:spLocks/>
-          </p:cNvSpPr>
-          <p:nvPr/>
-        </p:nvSpPr>
-        <p:spPr>
-          <a:xfrm rot="0">
-            <a:off x="836930" y="1581785"/>
-            <a:ext cx="3354070" cy="462280"/>
-          </a:xfrm>
-          <a:prstGeom prst="rect"/>
-          <a:noFill/>
-          <a:ln w="0" cap="flat" cmpd="sng">
-            <a:solidFill>
-              <a:srgbClr val="FFFFFF">
-                <a:alpha val="100000"/>
-              </a:srgbClr>
-            </a:solidFill>
-            <a:prstDash/>
-          </a:ln>
-        </p:spPr>
-        <p:txBody>
-          <a:bodyPr wrap="square" lIns="89535" tIns="46355" rIns="89535" bIns="46355" vert="horz" anchor="t">
-            <a:spAutoFit/>
-          </a:bodyPr>
-          <a:lstStyle/>
-          <a:p>
-            <a:pPr marL="0" indent="0" algn="l" hangingPunct="1"/>
-            <a:r>
-              <a:rPr sz="2400">
-                <a:latin typeface="맑은 고딕" charset="0"/>
-                <a:ea typeface="맑은 고딕" charset="0"/>
-              </a:rPr>
               <a:t>옵</a:t>
             </a:r>
             <a:r>
@@ -4795,7 +4601,7 @@
 </p:sld>
 </file>
 
-<file path=ppt/slides/slide14.xml><?xml version="1.0" encoding="utf-8"?>
+<file path=ppt/slides/slide13.xml><?xml version="1.0" encoding="utf-8"?>
 <p:sld xmlns:a="http://schemas.openxmlformats.org/drawingml/2006/main" xmlns:r="http://schemas.openxmlformats.org/officeDocument/2006/relationships" xmlns:p="http://schemas.openxmlformats.org/presentationml/2006/main">
   <p:cSld>
     <p:spTree>
@@ -8513,7 +8319,7 @@
         <p:spPr>
           <a:xfrm>
             <a:off x="838200" y="365125"/>
-            <a:ext cx="10516870" cy="1327150"/>
+            <a:ext cx="10517505" cy="1327785"/>
           </a:xfrm>
           <a:prstGeom prst="rect"/>
         </p:spPr>
@@ -8529,31 +8335,7 @@
             </a:pPr>
             <a:r>
               <a:rPr lang="ko-KR" altLang="en-US"/>
-              <a:t>프로그램 </a:t>
-            </a:r>
-            <a:r>
-              <a:rPr lang="ko-KR" altLang="en-US"/>
-              <a:t>U</a:t>
-            </a:r>
-            <a:r>
-              <a:rPr lang="ko-KR" altLang="en-US"/>
-              <a:t>ser </a:t>
-            </a:r>
-            <a:r>
-              <a:rPr lang="ko-KR" altLang="en-US"/>
-              <a:t>C</a:t>
-            </a:r>
-            <a:r>
-              <a:rPr lang="ko-KR" altLang="en-US"/>
-              <a:t>ase </a:t>
-            </a:r>
-            <a:r>
-              <a:rPr lang="ko-KR" altLang="en-US"/>
-              <a:t>D</a:t>
-            </a:r>
-            <a:r>
-              <a:rPr lang="ko-KR" altLang="en-US"/>
-              <a:t>iagram</a:t>
+              <a:t>프로그램 Use Case Diagram</a:t>
             </a:r>
             <a:endParaRPr lang="ko-KR" altLang="en-US"/>
           </a:p>
@@ -10999,7 +10781,7 @@
 </file>
 
 <file path=ppt/slides/slide8.xml><?xml version="1.0" encoding="utf-8"?>
-<p:sld xmlns:a="http://schemas.openxmlformats.org/drawingml/2006/main" xmlns:r="http://schemas.openxmlformats.org/officeDocument/2006/relationships" xmlns:p="http://schemas.openxmlformats.org/presentationml/2006/main" xmlns:p14="http://schemas.microsoft.com/office/powerpoint/2010/main">
+<p:sld xmlns:a="http://schemas.openxmlformats.org/drawingml/2006/main" xmlns:r="http://schemas.openxmlformats.org/officeDocument/2006/relationships" xmlns:p="http://schemas.openxmlformats.org/presentationml/2006/main">
   <p:cSld>
     <p:spTree>
       <p:nvGrpSpPr>
@@ -11041,15 +10823,15 @@
             <a:pPr marL="0" indent="0" rtl="0"/>
             <a:r>
               <a:rPr lang="ko-KR" altLang="en-US"/>
-              <a:t>주요 개발 </a:t>
-            </a:r>
-            <a:r>
-              <a:rPr lang="ko-KR" altLang="en-US"/>
-              <a:t>코</a:t>
-            </a:r>
-            <a:r>
-              <a:rPr lang="ko-KR" altLang="en-US"/>
-              <a:t>드</a:t>
+              <a:t>프로그램 </a:t>
+            </a:r>
+            <a:r>
+              <a:rPr lang="ko-KR" altLang="en-US"/>
+              <a:t>화</a:t>
+            </a:r>
+            <a:r>
+              <a:rPr lang="ko-KR" altLang="en-US"/>
+              <a:t>면</a:t>
             </a:r>
             <a:endParaRPr lang="ko-KR" altLang="en-US"/>
           </a:p>
@@ -11057,7 +10839,7 @@
       </p:sp>
       <p:pic>
         <p:nvPicPr>
-          <p:cNvPr id="3" name="그림 104"/>
+          <p:cNvPr id="3" name="그림 1" descr="C:/Users/jayaj/AppData/Roaming/PolarisOffice/ETemp/12852_8584704/fImage15001116941.png"/>
           <p:cNvPicPr>
             <a:picLocks noChangeAspect="1"/>
           </p:cNvPicPr>
@@ -11077,54 +10859,34 @@
         </p:blipFill>
         <p:spPr>
           <a:xfrm rot="0">
-            <a:off x="948055" y="1353820"/>
-            <a:ext cx="4565650" cy="3340735"/>
+            <a:off x="836930" y="2042795"/>
+            <a:ext cx="7654925" cy="3950335"/>
           </a:xfrm>
           <a:prstGeom prst="rect"/>
           <a:noFill/>
+          <a:ln w="19050" cap="flat" cmpd="sng">
+            <a:solidFill>
+              <a:schemeClr val="bg2">
+                <a:alpha val="100000"/>
+              </a:schemeClr>
+            </a:solidFill>
+            <a:prstDash val="solid"/>
+            <a:round/>
+          </a:ln>
         </p:spPr>
       </p:pic>
-      <p:pic>
-        <p:nvPicPr>
-          <p:cNvPr id="4" name="그림 105"/>
-          <p:cNvPicPr>
-            <a:picLocks noChangeAspect="1"/>
-          </p:cNvPicPr>
-          <p:nvPr/>
-        </p:nvPicPr>
-        <p:blipFill rotWithShape="1">
-          <a:blip r:embed="rId3" cstate="print">
-            <a:extLst>
-              <a:ext uri="{28A0092B-C50C-407E-A947-70E740481C1C}">
-                <a14:useLocalDpi xmlns:a14="http://schemas.microsoft.com/office/drawing/2010/main" val="0"/>
-              </a:ext>
-            </a:extLst>
-          </a:blip>
-          <a:stretch>
-            <a:fillRect/>
-          </a:stretch>
-        </p:blipFill>
-        <p:spPr>
-          <a:xfrm rot="0">
-            <a:off x="947420" y="4693920"/>
-            <a:ext cx="4566285" cy="3317240"/>
-          </a:xfrm>
-          <a:prstGeom prst="rect"/>
-          <a:noFill/>
-        </p:spPr>
-      </p:pic>
-      <p:sp>
-        <p:nvSpPr>
-          <p:cNvPr id="5" name="텍스트 상자 106"/>
+      <p:sp>
+        <p:nvSpPr>
+          <p:cNvPr id="4" name="텍스트 상자 7"/>
           <p:cNvSpPr txBox="1">
             <a:spLocks/>
           </p:cNvSpPr>
           <p:nvPr/>
         </p:nvSpPr>
         <p:spPr>
-          <a:xfrm>
-            <a:off x="5801995" y="1420495"/>
-            <a:ext cx="4003675" cy="3415665"/>
+          <a:xfrm rot="0">
+            <a:off x="836930" y="1581785"/>
+            <a:ext cx="1631315" cy="462280"/>
           </a:xfrm>
           <a:prstGeom prst="rect"/>
           <a:noFill/>
@@ -11134,413 +10896,27 @@
           </a:ln>
         </p:spPr>
         <p:txBody>
-          <a:bodyPr wrap="none" lIns="89535" tIns="46355" rIns="89535" bIns="46355" numCol="1" vert="horz" anchor="t">
+          <a:bodyPr wrap="square" lIns="89535" tIns="46355" rIns="89535" bIns="46355" vert="horz" anchor="t">
             <a:spAutoFit/>
           </a:bodyPr>
           <a:lstStyle/>
           <a:p>
-            <a:pPr marL="0" indent="0" algn="l" hangingPunct="1">
-              <a:buFontTx/>
-              <a:buNone/>
-            </a:pPr>
-            <a:r>
-              <a:rPr lang="ko-KR" sz="1800">
-                <a:latin typeface="맑은 고딕" charset="0"/>
-                <a:ea typeface="맑은 고딕" charset="0"/>
-              </a:rPr>
-              <a:t>Streamlit 앱 함수 aitrpg_streamlitapp</a:t>
-            </a:r>
-            <a:endParaRPr lang="ko-KR" altLang="en-US" sz="1800">
-              <a:latin typeface="맑은 고딕" charset="0"/>
-              <a:ea typeface="맑은 고딕" charset="0"/>
-            </a:endParaRPr>
-          </a:p>
-          <a:p>
-            <a:pPr marL="0" indent="0" algn="l" hangingPunct="1">
-              <a:buFontTx/>
-              <a:buNone/>
-            </a:pPr>
-            <a:endParaRPr lang="ko-KR" altLang="en-US" sz="1800">
-              <a:latin typeface="맑은 고딕" charset="0"/>
-              <a:ea typeface="맑은 고딕" charset="0"/>
-            </a:endParaRPr>
-          </a:p>
-          <a:p>
-            <a:pPr marL="0" indent="0" algn="l" hangingPunct="1">
-              <a:buFontTx/>
-              <a:buNone/>
-            </a:pPr>
-            <a:r>
-              <a:rPr lang="ko-KR" sz="1800">
-                <a:latin typeface="맑은 고딕" charset="0"/>
-                <a:ea typeface="맑은 고딕" charset="0"/>
-              </a:rPr>
-              <a:t>플레이어에게 </a:t>
-            </a:r>
-            <a:r>
-              <a:rPr lang="ko-KR" sz="1800">
-                <a:latin typeface="맑은 고딕" charset="0"/>
-                <a:ea typeface="맑은 고딕" charset="0"/>
-              </a:rPr>
-              <a:t>보여지</a:t>
-            </a:r>
-            <a:r>
-              <a:rPr lang="ko-KR" sz="1800">
-                <a:latin typeface="맑은 고딕" charset="0"/>
-                <a:ea typeface="맑은 고딕" charset="0"/>
-              </a:rPr>
-              <a:t>는 메인 </a:t>
-            </a:r>
-            <a:r>
-              <a:rPr lang="ko-KR" sz="1800">
-                <a:latin typeface="맑은 고딕" charset="0"/>
-                <a:ea typeface="맑은 고딕" charset="0"/>
-              </a:rPr>
-              <a:t>UI 함</a:t>
-            </a:r>
-            <a:r>
-              <a:rPr lang="ko-KR" sz="1800">
-                <a:latin typeface="맑은 고딕" charset="0"/>
-                <a:ea typeface="맑은 고딕" charset="0"/>
-              </a:rPr>
-              <a:t>수</a:t>
-            </a:r>
-            <a:endParaRPr lang="ko-KR" altLang="en-US" sz="1800">
-              <a:latin typeface="맑은 고딕" charset="0"/>
-              <a:ea typeface="맑은 고딕" charset="0"/>
-            </a:endParaRPr>
-          </a:p>
-          <a:p>
-            <a:pPr marL="0" indent="0" algn="l" hangingPunct="1">
-              <a:buFontTx/>
-              <a:buNone/>
-            </a:pPr>
-            <a:endParaRPr lang="ko-KR" altLang="en-US" sz="1800">
-              <a:latin typeface="맑은 고딕" charset="0"/>
-              <a:ea typeface="맑은 고딕" charset="0"/>
-            </a:endParaRPr>
-          </a:p>
-          <a:p>
-            <a:pPr marL="0" indent="0" algn="l" hangingPunct="1">
-              <a:buFontTx/>
-              <a:buNone/>
-            </a:pPr>
-            <a:r>
-              <a:rPr lang="ko-KR" sz="1800">
-                <a:latin typeface="맑은 고딕" charset="0"/>
-                <a:ea typeface="맑은 고딕" charset="0"/>
-              </a:rPr>
-              <a:t>5</a:t>
-            </a:r>
-            <a:r>
-              <a:rPr lang="ko-KR" sz="1800">
-                <a:latin typeface="맑은 고딕" charset="0"/>
-                <a:ea typeface="맑은 고딕" charset="0"/>
-              </a:rPr>
-              <a:t>개 </a:t>
-            </a:r>
-            <a:r>
-              <a:rPr lang="ko-KR" sz="1800">
-                <a:latin typeface="맑은 고딕" charset="0"/>
-                <a:ea typeface="맑은 고딕" charset="0"/>
-              </a:rPr>
-              <a:t>탭으</a:t>
-            </a:r>
-            <a:r>
-              <a:rPr lang="ko-KR" sz="1800">
-                <a:latin typeface="맑은 고딕" charset="0"/>
-                <a:ea typeface="맑은 고딕" charset="0"/>
-              </a:rPr>
-              <a:t>로 </a:t>
-            </a:r>
-            <a:r>
-              <a:rPr lang="ko-KR" sz="1800">
-                <a:latin typeface="맑은 고딕" charset="0"/>
-                <a:ea typeface="맑은 고딕" charset="0"/>
-              </a:rPr>
-              <a:t>이루어</a:t>
-            </a:r>
-            <a:r>
-              <a:rPr lang="ko-KR" sz="1800">
-                <a:latin typeface="맑은 고딕" charset="0"/>
-                <a:ea typeface="맑은 고딕" charset="0"/>
-              </a:rPr>
-              <a:t>져 </a:t>
-            </a:r>
-            <a:r>
-              <a:rPr lang="ko-KR" sz="1800">
-                <a:latin typeface="맑은 고딕" charset="0"/>
-                <a:ea typeface="맑은 고딕" charset="0"/>
-              </a:rPr>
-              <a:t>있</a:t>
-            </a:r>
-            <a:r>
-              <a:rPr lang="ko-KR" sz="1800">
-                <a:latin typeface="맑은 고딕" charset="0"/>
-                <a:ea typeface="맑은 고딕" charset="0"/>
-              </a:rPr>
-              <a:t>음</a:t>
-            </a:r>
-            <a:endParaRPr lang="ko-KR" altLang="en-US" sz="1800">
-              <a:latin typeface="맑은 고딕" charset="0"/>
-              <a:ea typeface="맑은 고딕" charset="0"/>
-            </a:endParaRPr>
-          </a:p>
-          <a:p>
-            <a:pPr marL="0" indent="0" algn="l" hangingPunct="1">
-              <a:buFontTx/>
-              <a:buNone/>
-            </a:pPr>
-            <a:r>
-              <a:rPr lang="ko-KR" sz="1800">
-                <a:latin typeface="맑은 고딕" charset="0"/>
-                <a:ea typeface="맑은 고딕" charset="0"/>
-              </a:rPr>
-              <a:t>-게</a:t>
-            </a:r>
-            <a:r>
-              <a:rPr lang="ko-KR" sz="1800">
-                <a:latin typeface="맑은 고딕" charset="0"/>
-                <a:ea typeface="맑은 고딕" charset="0"/>
-              </a:rPr>
-              <a:t>임 </a:t>
-            </a:r>
-            <a:r>
-              <a:rPr lang="ko-KR" sz="1800">
-                <a:latin typeface="맑은 고딕" charset="0"/>
-                <a:ea typeface="맑은 고딕" charset="0"/>
-              </a:rPr>
-              <a:t>화</a:t>
-            </a:r>
-            <a:r>
-              <a:rPr lang="ko-KR" sz="1800">
-                <a:latin typeface="맑은 고딕" charset="0"/>
-                <a:ea typeface="맑은 고딕" charset="0"/>
-              </a:rPr>
-              <a:t>면</a:t>
-            </a:r>
-            <a:endParaRPr lang="ko-KR" altLang="en-US" sz="1800">
-              <a:latin typeface="맑은 고딕" charset="0"/>
-              <a:ea typeface="맑은 고딕" charset="0"/>
-            </a:endParaRPr>
-          </a:p>
-          <a:p>
-            <a:pPr marL="0" indent="0" algn="l" hangingPunct="1">
-              <a:buFontTx/>
-              <a:buNone/>
-            </a:pPr>
-            <a:r>
-              <a:rPr lang="ko-KR" sz="1800">
-                <a:latin typeface="맑은 고딕" charset="0"/>
-                <a:ea typeface="맑은 고딕" charset="0"/>
-              </a:rPr>
-              <a:t>-플레이</a:t>
-            </a:r>
-            <a:r>
-              <a:rPr lang="ko-KR" sz="1800">
-                <a:latin typeface="맑은 고딕" charset="0"/>
-                <a:ea typeface="맑은 고딕" charset="0"/>
-              </a:rPr>
-              <a:t>어 </a:t>
-            </a:r>
-            <a:r>
-              <a:rPr lang="ko-KR" sz="1800">
-                <a:latin typeface="맑은 고딕" charset="0"/>
-                <a:ea typeface="맑은 고딕" charset="0"/>
-              </a:rPr>
-              <a:t>정</a:t>
-            </a:r>
-            <a:r>
-              <a:rPr lang="ko-KR" sz="1800">
-                <a:latin typeface="맑은 고딕" charset="0"/>
-                <a:ea typeface="맑은 고딕" charset="0"/>
-              </a:rPr>
-              <a:t>보</a:t>
-            </a:r>
-            <a:endParaRPr lang="ko-KR" altLang="en-US" sz="1800">
-              <a:latin typeface="맑은 고딕" charset="0"/>
-              <a:ea typeface="맑은 고딕" charset="0"/>
-            </a:endParaRPr>
-          </a:p>
-          <a:p>
-            <a:pPr marL="0" indent="0" algn="l" hangingPunct="1">
-              <a:buFontTx/>
-              <a:buNone/>
-            </a:pPr>
-            <a:r>
-              <a:rPr lang="ko-KR" sz="1800">
-                <a:latin typeface="맑은 고딕" charset="0"/>
-                <a:ea typeface="맑은 고딕" charset="0"/>
-              </a:rPr>
-              <a:t>-</a:t>
-            </a:r>
-            <a:r>
-              <a:rPr lang="ko-KR" sz="1800">
-                <a:latin typeface="맑은 고딕" charset="0"/>
-                <a:ea typeface="맑은 고딕" charset="0"/>
-              </a:rPr>
-              <a:t>소</a:t>
-            </a:r>
-            <a:r>
-              <a:rPr lang="ko-KR" sz="1800">
-                <a:latin typeface="맑은 고딕" charset="0"/>
-                <a:ea typeface="맑은 고딕" charset="0"/>
-              </a:rPr>
-              <a:t>유 </a:t>
-            </a:r>
-            <a:r>
-              <a:rPr lang="ko-KR" sz="1800">
-                <a:latin typeface="맑은 고딕" charset="0"/>
-                <a:ea typeface="맑은 고딕" charset="0"/>
-              </a:rPr>
-              <a:t>아이</a:t>
-            </a:r>
-            <a:r>
-              <a:rPr lang="ko-KR" sz="1800">
-                <a:latin typeface="맑은 고딕" charset="0"/>
-                <a:ea typeface="맑은 고딕" charset="0"/>
-              </a:rPr>
-              <a:t>템</a:t>
-            </a:r>
-            <a:endParaRPr lang="ko-KR" altLang="en-US" sz="1800">
-              <a:latin typeface="맑은 고딕" charset="0"/>
-              <a:ea typeface="맑은 고딕" charset="0"/>
-            </a:endParaRPr>
-          </a:p>
-          <a:p>
-            <a:pPr marL="0" indent="0" algn="l" hangingPunct="1">
-              <a:buFontTx/>
-              <a:buNone/>
-            </a:pPr>
-            <a:r>
-              <a:rPr lang="ko-KR" sz="1800">
-                <a:latin typeface="맑은 고딕" charset="0"/>
-                <a:ea typeface="맑은 고딕" charset="0"/>
-              </a:rPr>
-              <a:t>-</a:t>
-            </a:r>
-            <a:r>
-              <a:rPr lang="ko-KR" sz="1800">
-                <a:latin typeface="맑은 고딕" charset="0"/>
-                <a:ea typeface="맑은 고딕" charset="0"/>
-              </a:rPr>
-              <a:t>플레</a:t>
-            </a:r>
-            <a:r>
-              <a:rPr lang="ko-KR" sz="1800">
-                <a:latin typeface="맑은 고딕" charset="0"/>
-                <a:ea typeface="맑은 고딕" charset="0"/>
-              </a:rPr>
-              <a:t>이 </a:t>
-            </a:r>
-            <a:r>
-              <a:rPr lang="ko-KR" sz="1800">
-                <a:latin typeface="맑은 고딕" charset="0"/>
-                <a:ea typeface="맑은 고딕" charset="0"/>
-              </a:rPr>
-              <a:t>정</a:t>
-            </a:r>
-            <a:r>
-              <a:rPr lang="ko-KR" sz="1800">
-                <a:latin typeface="맑은 고딕" charset="0"/>
-                <a:ea typeface="맑은 고딕" charset="0"/>
-              </a:rPr>
-              <a:t>보</a:t>
-            </a:r>
-            <a:endParaRPr lang="ko-KR" altLang="en-US" sz="1800">
-              <a:latin typeface="맑은 고딕" charset="0"/>
-              <a:ea typeface="맑은 고딕" charset="0"/>
-            </a:endParaRPr>
-          </a:p>
-          <a:p>
-            <a:pPr marL="0" indent="0" algn="l" hangingPunct="1">
-              <a:buFontTx/>
-              <a:buNone/>
-            </a:pPr>
-            <a:r>
-              <a:rPr lang="ko-KR" sz="1800">
-                <a:latin typeface="맑은 고딕" charset="0"/>
-                <a:ea typeface="맑은 고딕" charset="0"/>
-              </a:rPr>
-              <a:t>-옵</a:t>
-            </a:r>
-            <a:r>
-              <a:rPr lang="ko-KR" sz="1800">
-                <a:latin typeface="맑은 고딕" charset="0"/>
-                <a:ea typeface="맑은 고딕" charset="0"/>
-              </a:rPr>
-              <a:t>션</a:t>
-            </a:r>
-            <a:endParaRPr lang="ko-KR" altLang="en-US" sz="1800">
-              <a:latin typeface="맑은 고딕" charset="0"/>
-              <a:ea typeface="맑은 고딕" charset="0"/>
-            </a:endParaRPr>
-          </a:p>
-          <a:p>
-            <a:pPr marL="0" indent="0" algn="l" hangingPunct="1">
-              <a:buFontTx/>
-              <a:buNone/>
-            </a:pPr>
-            <a:endParaRPr lang="ko-KR" altLang="en-US" sz="1800">
-              <a:latin typeface="맑은 고딕" charset="0"/>
-              <a:ea typeface="맑은 고딕" charset="0"/>
-            </a:endParaRPr>
-          </a:p>
-          <a:p>
-            <a:pPr marL="0" indent="0" algn="l" hangingPunct="1">
-              <a:buFontTx/>
-              <a:buNone/>
-            </a:pPr>
-            <a:r>
-              <a:rPr lang="ko-KR" sz="1800">
-                <a:latin typeface="맑은 고딕" charset="0"/>
-                <a:ea typeface="맑은 고딕" charset="0"/>
-              </a:rPr>
-              <a:t>각 </a:t>
-            </a:r>
-            <a:r>
-              <a:rPr lang="ko-KR" sz="1800">
-                <a:latin typeface="맑은 고딕" charset="0"/>
-                <a:ea typeface="맑은 고딕" charset="0"/>
-              </a:rPr>
-              <a:t>탭</a:t>
-            </a:r>
-            <a:r>
-              <a:rPr lang="ko-KR" sz="1800">
-                <a:latin typeface="맑은 고딕" charset="0"/>
-                <a:ea typeface="맑은 고딕" charset="0"/>
-              </a:rPr>
-              <a:t>에 </a:t>
-            </a:r>
-            <a:r>
-              <a:rPr lang="ko-KR" sz="1800">
-                <a:latin typeface="맑은 고딕" charset="0"/>
-                <a:ea typeface="맑은 고딕" charset="0"/>
-              </a:rPr>
-              <a:t>자유롭</a:t>
-            </a:r>
-            <a:r>
-              <a:rPr lang="ko-KR" sz="1800">
-                <a:latin typeface="맑은 고딕" charset="0"/>
-                <a:ea typeface="맑은 고딕" charset="0"/>
-              </a:rPr>
-              <a:t>게 </a:t>
-            </a:r>
-            <a:r>
-              <a:rPr lang="ko-KR" sz="1800">
-                <a:latin typeface="맑은 고딕" charset="0"/>
-                <a:ea typeface="맑은 고딕" charset="0"/>
-              </a:rPr>
-              <a:t>접근</a:t>
-            </a:r>
-            <a:r>
-              <a:rPr lang="ko-KR" sz="1800">
-                <a:latin typeface="맑은 고딕" charset="0"/>
-                <a:ea typeface="맑은 고딕" charset="0"/>
-              </a:rPr>
-              <a:t>할 수 있음</a:t>
-            </a:r>
-            <a:endParaRPr lang="ko-KR" altLang="en-US" sz="1800">
+            <a:pPr marL="0" indent="0" algn="l" hangingPunct="1"/>
+            <a:r>
+              <a:rPr sz="2400">
+                <a:latin typeface="맑은 고딕" charset="0"/>
+                <a:ea typeface="맑은 고딕" charset="0"/>
+              </a:rPr>
+              <a:t>게</a:t>
+            </a:r>
+            <a:r>
+              <a:rPr lang="ko-KR" sz="2400">
+                <a:latin typeface="맑은 고딕" charset="0"/>
+                <a:ea typeface="맑은 고딕" charset="0"/>
+              </a:rPr>
+              <a:t>임 화면</a:t>
+            </a:r>
+            <a:endParaRPr lang="ko-KR" altLang="en-US" sz="2400">
               <a:latin typeface="맑은 고딕" charset="0"/>
               <a:ea typeface="맑은 고딕" charset="0"/>
             </a:endParaRPr>
@@ -11560,13 +10936,6 @@
       <p:transition spd="slow"/>
     </mc:Fallback>
   </mc:AlternateContent>
-  <p:timing>
-    <p:tnLst>
-      <p:par>
-        <p:cTn id="1" dur="indefinite" restart="never" nodeType="tmRoot"/>
-      </p:par>
-    </p:tnLst>
-  </p:timing>
 </p:sld>
 </file>
 
@@ -11612,24 +10981,106 @@
           <a:p>
             <a:pPr marL="0" indent="0" rtl="0"/>
             <a:r>
-              <a:rPr lang="ko-KR" altLang="en-US"/>
+              <a:rPr lang="ko-KR" altLang="en-US" sz="4400">
+                <a:latin typeface="맑은 고딕" charset="0"/>
+                <a:ea typeface="맑은 고딕" charset="0"/>
+                <a:cs typeface="+mj-cs"/>
+              </a:rPr>
               <a:t>프로그램 </a:t>
             </a:r>
             <a:r>
-              <a:rPr lang="ko-KR" altLang="en-US"/>
+              <a:rPr lang="ko-KR" altLang="en-US" sz="4400">
+                <a:latin typeface="맑은 고딕" charset="0"/>
+                <a:ea typeface="맑은 고딕" charset="0"/>
+                <a:cs typeface="+mj-cs"/>
+              </a:rPr>
               <a:t>화</a:t>
             </a:r>
             <a:r>
-              <a:rPr lang="ko-KR" altLang="en-US"/>
+              <a:rPr lang="ko-KR" altLang="en-US" sz="4400">
+                <a:latin typeface="맑은 고딕" charset="0"/>
+                <a:ea typeface="맑은 고딕" charset="0"/>
+                <a:cs typeface="+mj-cs"/>
+              </a:rPr>
               <a:t>면</a:t>
             </a:r>
-            <a:endParaRPr lang="ko-KR" altLang="en-US"/>
+            <a:endParaRPr lang="ko-KR" altLang="en-US" sz="4400">
+              <a:latin typeface="맑은 고딕" charset="0"/>
+              <a:ea typeface="맑은 고딕" charset="0"/>
+              <a:cs typeface="+mj-cs"/>
+            </a:endParaRPr>
+          </a:p>
+        </p:txBody>
+      </p:sp>
+      <p:sp>
+        <p:nvSpPr>
+          <p:cNvPr id="4" name="Rect 0"/>
+          <p:cNvSpPr txBox="1">
+            <a:spLocks/>
+          </p:cNvSpPr>
+          <p:nvPr/>
+        </p:nvSpPr>
+        <p:spPr>
+          <a:xfrm rot="0">
+            <a:off x="836930" y="1581785"/>
+            <a:ext cx="3354070" cy="462280"/>
+          </a:xfrm>
+          <a:prstGeom prst="rect"/>
+          <a:noFill/>
+          <a:ln w="0" cap="flat" cmpd="sng">
+            <a:solidFill>
+              <a:srgbClr val="FFFFFF">
+                <a:alpha val="100000"/>
+              </a:srgbClr>
+            </a:solidFill>
+            <a:prstDash/>
+          </a:ln>
+        </p:spPr>
+        <p:txBody>
+          <a:bodyPr wrap="square" lIns="89535" tIns="46355" rIns="89535" bIns="46355" vert="horz" anchor="t">
+            <a:spAutoFit/>
+          </a:bodyPr>
+          <a:lstStyle/>
+          <a:p>
+            <a:pPr marL="0" indent="0" algn="l" hangingPunct="1"/>
+            <a:r>
+              <a:rPr sz="2400">
+                <a:latin typeface="맑은 고딕" charset="0"/>
+                <a:ea typeface="맑은 고딕" charset="0"/>
+              </a:rPr>
+              <a:t>플레이</a:t>
+            </a:r>
+            <a:r>
+              <a:rPr lang="ko-KR" sz="2400">
+                <a:latin typeface="맑은 고딕" charset="0"/>
+                <a:ea typeface="맑은 고딕" charset="0"/>
+              </a:rPr>
+              <a:t>어 </a:t>
+            </a:r>
+            <a:r>
+              <a:rPr lang="ko-KR" sz="2400">
+                <a:latin typeface="맑은 고딕" charset="0"/>
+                <a:ea typeface="맑은 고딕" charset="0"/>
+              </a:rPr>
+              <a:t>정</a:t>
+            </a:r>
+            <a:r>
+              <a:rPr lang="ko-KR" sz="2400">
+                <a:latin typeface="맑은 고딕" charset="0"/>
+                <a:ea typeface="맑은 고딕" charset="0"/>
+              </a:rPr>
+              <a:t>보</a:t>
+            </a:r>
+            <a:endParaRPr lang="ko-KR" altLang="en-US" sz="2400">
+              <a:latin typeface="맑은 고딕" charset="0"/>
+              <a:ea typeface="맑은 고딕" charset="0"/>
+            </a:endParaRPr>
           </a:p>
         </p:txBody>
       </p:sp>
       <p:pic>
         <p:nvPicPr>
-          <p:cNvPr id="3" name="그림 1" descr="C:/Users/jayaj/AppData/Roaming/PolarisOffice/ETemp/12852_8584704/fImage15001116941.png"/>
+          <p:cNvPr id="5" name="그림 8" descr="C:/Users/jayaj/AppData/Roaming/PolarisOffice/ETemp/12852_8584704/fImage807201748467.png"/>
           <p:cNvPicPr>
             <a:picLocks noChangeAspect="1"/>
           </p:cNvPicPr>
@@ -11650,7 +11101,7 @@
         <p:spPr>
           <a:xfrm rot="0">
             <a:off x="836930" y="2042795"/>
-            <a:ext cx="7654925" cy="3950335"/>
+            <a:ext cx="8611870" cy="3950335"/>
           </a:xfrm>
           <a:prstGeom prst="rect"/>
           <a:noFill/>
@@ -11665,54 +11116,6 @@
           </a:ln>
         </p:spPr>
       </p:pic>
-      <p:sp>
-        <p:nvSpPr>
-          <p:cNvPr id="4" name="텍스트 상자 7"/>
-          <p:cNvSpPr txBox="1">
-            <a:spLocks/>
-          </p:cNvSpPr>
-          <p:nvPr/>
-        </p:nvSpPr>
-        <p:spPr>
-          <a:xfrm rot="0">
-            <a:off x="836930" y="1581785"/>
-            <a:ext cx="1631315" cy="462280"/>
-          </a:xfrm>
-          <a:prstGeom prst="rect"/>
-          <a:noFill/>
-          <a:ln>
-            <a:noFill/>
-            <a:prstDash/>
-          </a:ln>
-        </p:spPr>
-        <p:txBody>
-          <a:bodyPr wrap="square" lIns="89535" tIns="46355" rIns="89535" bIns="46355" vert="horz" anchor="t">
-            <a:spAutoFit/>
-          </a:bodyPr>
-          <a:lstStyle/>
-          <a:p>
-            <a:pPr marL="0" indent="0" algn="l" hangingPunct="1"/>
-            <a:r>
-              <a:rPr sz="2400">
-                <a:latin typeface="맑은 고딕" charset="0"/>
-                <a:ea typeface="맑은 고딕" charset="0"/>
-              </a:rPr>
-              <a:t>게</a:t>
-            </a:r>
-            <a:r>
-              <a:rPr lang="ko-KR" sz="2400">
-                <a:latin typeface="맑은 고딕" charset="0"/>
-                <a:ea typeface="맑은 고딕" charset="0"/>
-              </a:rPr>
-              <a:t>임 화면</a:t>
-            </a:r>
-            <a:endParaRPr lang="ko-KR" altLang="en-US" sz="2400">
-              <a:latin typeface="맑은 고딕" charset="0"/>
-              <a:ea typeface="맑은 고딕" charset="0"/>
-            </a:endParaRPr>
-          </a:p>
-        </p:txBody>
-      </p:sp>
     </p:spTree>
   </p:cSld>
   <p:clrMapOvr>
